--- a/training-cards/agile moves/Writing (WRI)/ger/apprentice/ger_wri_05_zu_welchem_text_geht_die_energie_AM_A.pptx
+++ b/training-cards/agile moves/Writing (WRI)/ger/apprentice/ger_wri_05_zu_welchem_text_geht_die_energie_AM_A.pptx
@@ -1092,7 +1092,7 @@
                 <a:latin typeface="Avenir Light"/>
                 <a:cs typeface="Avenir Light"/>
               </a:rPr>
-              <a:t>28.10.15</a:t>
+              <a:t>02.11.15</a:t>
             </a:fld>
             <a:endParaRPr lang="de-DE" sz="600" dirty="0">
               <a:solidFill>
@@ -1756,7 +1756,7 @@
                 <a:latin typeface="Avenir Light"/>
                 <a:cs typeface="Avenir Light"/>
               </a:rPr>
-              <a:t>28.10.15</a:t>
+              <a:t>02.11.15</a:t>
             </a:fld>
             <a:endParaRPr lang="de-DE" sz="600" dirty="0">
               <a:solidFill>
@@ -2473,7 +2473,7 @@
                 <a:latin typeface="Avenir Light"/>
                 <a:cs typeface="Avenir Light"/>
               </a:rPr>
-              <a:t>28.10.15</a:t>
+              <a:t>02.11.15</a:t>
             </a:fld>
             <a:endParaRPr lang="de-DE" sz="600" dirty="0">
               <a:solidFill>
@@ -4032,7 +4032,7 @@
           <a:p>
             <a:pPr lvl="0">
               <a:lnSpc>
-                <a:spcPts val="2000"/>
+                <a:spcPts val="1500"/>
               </a:lnSpc>
               <a:spcBef>
                 <a:spcPts val="800"/>
@@ -4066,12 +4066,12 @@
               <a:t>gehe </a:t>
             </a:r>
             <a:r>
-              <a:rPr lang="de-DE" sz="1200" dirty="0" err="1" smtClean="0"/>
-              <a:t>jedesmal</a:t>
-            </a:r>
-            <a:r>
               <a:rPr lang="de-DE" sz="1200" dirty="0" smtClean="0"/>
-              <a:t> für Dich alleine Dein Textideen-</a:t>
+              <a:t>jedes Mal </a:t>
+            </a:r>
+            <a:r>
+              <a:rPr lang="de-DE" sz="1200" dirty="0" smtClean="0"/>
+              <a:t>für Dich alleine Dein Textideen-</a:t>
             </a:r>
             <a:r>
               <a:rPr lang="de-DE" sz="1200" dirty="0" err="1" smtClean="0"/>
@@ -4085,7 +4085,7 @@
           <a:p>
             <a:pPr lvl="0">
               <a:lnSpc>
-                <a:spcPts val="2000"/>
+                <a:spcPts val="1500"/>
               </a:lnSpc>
               <a:spcBef>
                 <a:spcPts val="800"/>
@@ -4095,47 +4095,129 @@
               <a:rPr lang="de-DE" sz="1200" dirty="0" smtClean="0"/>
               <a:t>Sortiere die Einträge dabei so, </a:t>
             </a:r>
+            <a:r>
+              <a:rPr lang="de-DE" sz="1200" dirty="0" smtClean="0"/>
+              <a:t>dass </a:t>
+            </a:r>
+            <a:r>
+              <a:rPr lang="de-DE" sz="1200" dirty="0" smtClean="0"/>
+              <a:t>die </a:t>
+            </a:r>
+            <a:r>
+              <a:rPr lang="de-DE" sz="1200" dirty="0" err="1" smtClean="0"/>
+              <a:t>Textidee</a:t>
+            </a:r>
+            <a:r>
+              <a:rPr lang="de-DE" sz="1200" dirty="0" smtClean="0"/>
+              <a:t>, auf die Du am meisten Lust </a:t>
+            </a:r>
+            <a:r>
+              <a:rPr lang="de-DE" sz="1200" dirty="0" smtClean="0"/>
+              <a:t>hast oder die Du für am interessantesten hältst, </a:t>
+            </a:r>
+            <a:r>
+              <a:rPr lang="de-DE" sz="1200" dirty="0" smtClean="0"/>
+              <a:t>ganz oben steht, </a:t>
+            </a:r>
+            <a:r>
+              <a:rPr lang="de-DE" sz="1200" dirty="0" smtClean="0"/>
+              <a:t>diejenige</a:t>
+            </a:r>
+            <a:r>
+              <a:rPr lang="de-DE" sz="1200" dirty="0" smtClean="0"/>
+              <a:t>, auf Die Du am zweitmeisten Lust </a:t>
+            </a:r>
+            <a:r>
+              <a:rPr lang="de-DE" sz="1200" dirty="0" smtClean="0"/>
+              <a:t>oder an der Du Interesse hast</a:t>
+            </a:r>
+            <a:r>
+              <a:rPr lang="de-DE" sz="1200" dirty="0" smtClean="0"/>
+              <a:t>, auf dem zweiten Platz </a:t>
+            </a:r>
+            <a:r>
+              <a:rPr lang="de-DE" sz="1200" dirty="0" err="1" smtClean="0"/>
+              <a:t>usw.bis</a:t>
+            </a:r>
+            <a:r>
+              <a:rPr lang="de-DE" sz="1200" dirty="0" smtClean="0"/>
+              <a:t> </a:t>
+            </a:r>
+            <a:r>
+              <a:rPr lang="de-DE" sz="1200" dirty="0" smtClean="0"/>
+              <a:t>schließlich die, zu der momentan Deine Energie am wenigsten hingeht</a:t>
+            </a:r>
+            <a:r>
+              <a:rPr lang="de-DE" sz="1200" dirty="0" smtClean="0"/>
+              <a:t>, am </a:t>
+            </a:r>
+            <a:r>
+              <a:rPr lang="de-DE" sz="1200" dirty="0" smtClean="0"/>
+              <a:t>Ende der Liste erscheint</a:t>
+            </a:r>
+            <a:r>
+              <a:rPr lang="de-DE" sz="1200" dirty="0" smtClean="0"/>
+              <a:t>.</a:t>
+            </a:r>
+          </a:p>
+          <a:p>
+            <a:pPr lvl="0">
+              <a:lnSpc>
+                <a:spcPts val="1500"/>
+              </a:lnSpc>
+              <a:spcBef>
+                <a:spcPts val="800"/>
+              </a:spcBef>
+            </a:pPr>
+            <a:r>
+              <a:rPr lang="de-DE" sz="1200" dirty="0"/>
+              <a:t>Wenn Du Dich mit Deinem </a:t>
+            </a:r>
+            <a:r>
+              <a:rPr lang="de-DE" sz="1200" dirty="0" err="1"/>
+              <a:t>Backlog</a:t>
+            </a:r>
+            <a:r>
+              <a:rPr lang="de-DE" sz="1200" dirty="0"/>
+              <a:t> beschäftigst, solltest Du auch alle Ideen, </a:t>
+            </a:r>
+            <a:r>
+              <a:rPr lang="de-DE" sz="1200" dirty="0" smtClean="0"/>
+              <a:t/>
+            </a:r>
             <a:br>
               <a:rPr lang="de-DE" sz="1200" dirty="0" smtClean="0"/>
             </a:br>
             <a:r>
               <a:rPr lang="de-DE" sz="1200" dirty="0" smtClean="0"/>
-              <a:t>dass die </a:t>
-            </a:r>
-            <a:r>
-              <a:rPr lang="de-DE" sz="1200" dirty="0" err="1" smtClean="0"/>
-              <a:t>Textidee</a:t>
+              <a:t>die Dir </a:t>
+            </a:r>
+            <a:r>
+              <a:rPr lang="de-DE" sz="1200" dirty="0"/>
+              <a:t>seit der letzten Backlog-Session eingefallen sind, </a:t>
             </a:r>
             <a:r>
               <a:rPr lang="de-DE" sz="1200" dirty="0" smtClean="0"/>
-              <a:t>, auf die Du am meisten Lust hast, ganz oben steht, </a:t>
-            </a:r>
-            <a:br>
-              <a:rPr lang="de-DE" sz="1200" dirty="0" smtClean="0"/>
-            </a:br>
-            <a:r>
-              <a:rPr lang="de-DE" sz="1200" dirty="0" smtClean="0"/>
-              <a:t>diejenige, auf Die Du am zweitmeisten Lust hast, auf dem zweiten Platz usw.</a:t>
-            </a:r>
-            <a:br>
-              <a:rPr lang="de-DE" sz="1200" dirty="0" smtClean="0"/>
-            </a:br>
-            <a:r>
-              <a:rPr lang="de-DE" sz="1200" dirty="0" smtClean="0"/>
-              <a:t>bis schließlich die, zu der momentan Deine Energie am wenigsten hingeht,</a:t>
-            </a:r>
-            <a:br>
-              <a:rPr lang="de-DE" sz="1200" dirty="0" smtClean="0"/>
-            </a:br>
-            <a:r>
-              <a:rPr lang="de-DE" sz="1200" dirty="0" smtClean="0"/>
-              <a:t>am Ende der Liste erscheint.</a:t>
-            </a:r>
+              <a:t>ergänzen</a:t>
+            </a:r>
+            <a:r>
+              <a:rPr lang="de-DE" sz="1200" dirty="0"/>
+              <a:t>, so dass Du nach der Session immer den aktuellen Stand mit allen Informationen im </a:t>
+            </a:r>
+            <a:r>
+              <a:rPr lang="de-DE" sz="1200" dirty="0" err="1"/>
+              <a:t>Backlog</a:t>
+            </a:r>
+            <a:r>
+              <a:rPr lang="de-DE" sz="1200" dirty="0"/>
+              <a:t> hast.</a:t>
+            </a:r>
+            <a:endParaRPr lang="de-DE" sz="1200" dirty="0" smtClean="0"/>
           </a:p>
           <a:p>
             <a:pPr lvl="0">
               <a:lnSpc>
-                <a:spcPts val="2000"/>
+                <a:spcPts val="1500"/>
               </a:lnSpc>
               <a:spcBef>
                 <a:spcPts val="800"/>

--- a/training-cards/agile moves/Writing (WRI)/ger/apprentice/ger_wri_05_zu_welchem_text_geht_die_energie_AM_A.pptx
+++ b/training-cards/agile moves/Writing (WRI)/ger/apprentice/ger_wri_05_zu_welchem_text_geht_die_energie_AM_A.pptx
@@ -3943,7 +3943,19 @@
             </a:pPr>
             <a:r>
               <a:rPr lang="de-DE" sz="1050" dirty="0" smtClean="0"/>
-              <a:t>Dabei solltest Du die Textideen so sortieren. Zum Schluss sollte diejenige ganz oben stehen, auf die Du selbst am meisten Lust hast und die weiteren Ideen in absteigender Reihenfolge.</a:t>
+              <a:t>Dabei solltest Du die </a:t>
+            </a:r>
+            <a:r>
+              <a:rPr lang="de-DE" sz="1050" smtClean="0"/>
+              <a:t>Textideen </a:t>
+            </a:r>
+            <a:r>
+              <a:rPr lang="de-DE" sz="1050" smtClean="0"/>
+              <a:t>sortieren</a:t>
+            </a:r>
+            <a:r>
+              <a:rPr lang="de-DE" sz="1050" dirty="0" smtClean="0"/>
+              <a:t>. Zum Schluss sollte diejenige ganz oben stehen, auf die Du selbst am meisten Lust hast und die weiteren Ideen in absteigender Reihenfolge.</a:t>
             </a:r>
           </a:p>
           <a:p>
@@ -4063,15 +4075,7 @@
             </a:br>
             <a:r>
               <a:rPr lang="de-DE" sz="1200" dirty="0" smtClean="0"/>
-              <a:t>gehe </a:t>
-            </a:r>
-            <a:r>
-              <a:rPr lang="de-DE" sz="1200" dirty="0" smtClean="0"/>
-              <a:t>jedes Mal </a:t>
-            </a:r>
-            <a:r>
-              <a:rPr lang="de-DE" sz="1200" dirty="0" smtClean="0"/>
-              <a:t>für Dich alleine Dein Textideen-</a:t>
+              <a:t>gehe jedes Mal für Dich alleine Dein Textideen-</a:t>
             </a:r>
             <a:r>
               <a:rPr lang="de-DE" sz="1200" dirty="0" err="1" smtClean="0"/>
@@ -4093,15 +4097,7 @@
             </a:pPr>
             <a:r>
               <a:rPr lang="de-DE" sz="1200" dirty="0" smtClean="0"/>
-              <a:t>Sortiere die Einträge dabei so, </a:t>
-            </a:r>
-            <a:r>
-              <a:rPr lang="de-DE" sz="1200" dirty="0" smtClean="0"/>
-              <a:t>dass </a:t>
-            </a:r>
-            <a:r>
-              <a:rPr lang="de-DE" sz="1200" dirty="0" smtClean="0"/>
-              <a:t>die </a:t>
+              <a:t>Sortiere die Einträge dabei so, dass die </a:t>
             </a:r>
             <a:r>
               <a:rPr lang="de-DE" sz="1200" dirty="0" err="1" smtClean="0"/>
@@ -4109,31 +4105,7 @@
             </a:r>
             <a:r>
               <a:rPr lang="de-DE" sz="1200" dirty="0" smtClean="0"/>
-              <a:t>, auf die Du am meisten Lust </a:t>
-            </a:r>
-            <a:r>
-              <a:rPr lang="de-DE" sz="1200" dirty="0" smtClean="0"/>
-              <a:t>hast oder die Du für am interessantesten hältst, </a:t>
-            </a:r>
-            <a:r>
-              <a:rPr lang="de-DE" sz="1200" dirty="0" smtClean="0"/>
-              <a:t>ganz oben steht, </a:t>
-            </a:r>
-            <a:r>
-              <a:rPr lang="de-DE" sz="1200" dirty="0" smtClean="0"/>
-              <a:t>diejenige</a:t>
-            </a:r>
-            <a:r>
-              <a:rPr lang="de-DE" sz="1200" dirty="0" smtClean="0"/>
-              <a:t>, auf Die Du am zweitmeisten Lust </a:t>
-            </a:r>
-            <a:r>
-              <a:rPr lang="de-DE" sz="1200" dirty="0" smtClean="0"/>
-              <a:t>oder an der Du Interesse hast</a:t>
-            </a:r>
-            <a:r>
-              <a:rPr lang="de-DE" sz="1200" dirty="0" smtClean="0"/>
-              <a:t>, auf dem zweiten Platz </a:t>
+              <a:t>, auf die Du am meisten Lust hast oder die Du für am interessantesten hältst, ganz oben steht, diejenige, auf Die Du am zweitmeisten Lust oder an der Du Interesse hast, auf dem zweiten Platz </a:t>
             </a:r>
             <a:r>
               <a:rPr lang="de-DE" sz="1200" dirty="0" err="1" smtClean="0"/>
@@ -4141,23 +4113,7 @@
             </a:r>
             <a:r>
               <a:rPr lang="de-DE" sz="1200" dirty="0" smtClean="0"/>
-              <a:t> </a:t>
-            </a:r>
-            <a:r>
-              <a:rPr lang="de-DE" sz="1200" dirty="0" smtClean="0"/>
-              <a:t>schließlich die, zu der momentan Deine Energie am wenigsten hingeht</a:t>
-            </a:r>
-            <a:r>
-              <a:rPr lang="de-DE" sz="1200" dirty="0" smtClean="0"/>
-              <a:t>, am </a:t>
-            </a:r>
-            <a:r>
-              <a:rPr lang="de-DE" sz="1200" dirty="0" smtClean="0"/>
-              <a:t>Ende der Liste erscheint</a:t>
-            </a:r>
-            <a:r>
-              <a:rPr lang="de-DE" sz="1200" dirty="0" smtClean="0"/>
-              <a:t>.</a:t>
+              <a:t> schließlich die, zu der momentan Deine Energie am wenigsten hingeht, am Ende der Liste erscheint.</a:t>
             </a:r>
           </a:p>
           <a:p>

--- a/training-cards/agile moves/Writing (WRI)/ger/apprentice/ger_wri_05_zu_welchem_text_geht_die_energie_AM_A.pptx
+++ b/training-cards/agile moves/Writing (WRI)/ger/apprentice/ger_wri_05_zu_welchem_text_geht_die_energie_AM_A.pptx
@@ -1092,7 +1092,7 @@
                 <a:latin typeface="Avenir Light"/>
                 <a:cs typeface="Avenir Light"/>
               </a:rPr>
-              <a:t>02.11.15</a:t>
+              <a:t>05.11.15</a:t>
             </a:fld>
             <a:endParaRPr lang="de-DE" sz="600" dirty="0">
               <a:solidFill>
@@ -1756,7 +1756,7 @@
                 <a:latin typeface="Avenir Light"/>
                 <a:cs typeface="Avenir Light"/>
               </a:rPr>
-              <a:t>02.11.15</a:t>
+              <a:t>05.11.15</a:t>
             </a:fld>
             <a:endParaRPr lang="de-DE" sz="600" dirty="0">
               <a:solidFill>
@@ -2473,7 +2473,7 @@
                 <a:latin typeface="Avenir Light"/>
                 <a:cs typeface="Avenir Light"/>
               </a:rPr>
-              <a:t>02.11.15</a:t>
+              <a:t>05.11.15</a:t>
             </a:fld>
             <a:endParaRPr lang="de-DE" sz="600" dirty="0">
               <a:solidFill>
@@ -3885,7 +3885,27 @@
             </a:pPr>
             <a:r>
               <a:rPr lang="de-DE" sz="1050" dirty="0" smtClean="0"/>
-              <a:t>Geh die Stories durch und schaue, auf welche Texte Du mehr </a:t>
+              <a:t>Geh die </a:t>
+            </a:r>
+            <a:r>
+              <a:rPr lang="de-DE" sz="1050" dirty="0" smtClean="0"/>
+              <a:t>Textideen durch </a:t>
+            </a:r>
+            <a:r>
+              <a:rPr lang="de-DE" sz="1050" dirty="0" smtClean="0"/>
+              <a:t>und schaue, auf </a:t>
+            </a:r>
+            <a:r>
+              <a:rPr lang="de-DE" sz="1050" smtClean="0"/>
+              <a:t>welche </a:t>
+            </a:r>
+            <a:r>
+              <a:rPr lang="de-DE" sz="1050" smtClean="0"/>
+              <a:t>Du </a:t>
+            </a:r>
+            <a:r>
+              <a:rPr lang="de-DE" sz="1050" dirty="0" smtClean="0"/>
+              <a:t>mehr </a:t>
             </a:r>
             <a:r>
               <a:rPr lang="de-DE" sz="1050" dirty="0"/>
@@ -3943,19 +3963,7 @@
             </a:pPr>
             <a:r>
               <a:rPr lang="de-DE" sz="1050" dirty="0" smtClean="0"/>
-              <a:t>Dabei solltest Du die </a:t>
-            </a:r>
-            <a:r>
-              <a:rPr lang="de-DE" sz="1050" smtClean="0"/>
-              <a:t>Textideen </a:t>
-            </a:r>
-            <a:r>
-              <a:rPr lang="de-DE" sz="1050" smtClean="0"/>
-              <a:t>sortieren</a:t>
-            </a:r>
-            <a:r>
-              <a:rPr lang="de-DE" sz="1050" dirty="0" smtClean="0"/>
-              <a:t>. Zum Schluss sollte diejenige ganz oben stehen, auf die Du selbst am meisten Lust hast und die weiteren Ideen in absteigender Reihenfolge.</a:t>
+              <a:t>Dabei solltest Du die Textideen sortieren. Zum Schluss sollte diejenige ganz oben stehen, auf die Du selbst am meisten Lust hast und die weiteren Ideen in absteigender Reihenfolge.</a:t>
             </a:r>
           </a:p>
           <a:p>
